--- a/KGCN presentation.pptx
+++ b/KGCN presentation.pptx
@@ -305,7 +305,7 @@
           <a:p>
             <a:fld id="{DBAE3B3E-782A-9745-8E84-372F7B6771BF}" type="datetimeFigureOut">
               <a:rPr lang="en-US" smtClean="0"/>
-              <a:t>6/24/2020</a:t>
+              <a:t>6/26/2020</a:t>
             </a:fld>
             <a:endParaRPr lang="en-US" dirty="0"/>
           </a:p>
@@ -470,7 +470,7 @@
           <a:p>
             <a:fld id="{811EE2E8-9555-495F-A6B0-95026A434A91}" type="datetimeFigureOut">
               <a:rPr lang="en-GB" smtClean="0"/>
-              <a:t>24/06/2020</a:t>
+              <a:t>26/06/2020</a:t>
             </a:fld>
             <a:endParaRPr lang="en-GB"/>
           </a:p>
@@ -1647,7 +1647,7 @@
           <a:p>
             <a:fld id="{462A2416-1570-3849-86F9-07F78746E1B2}" type="datetimeFigureOut">
               <a:rPr lang="en-US" smtClean="0"/>
-              <a:t>6/24/2020</a:t>
+              <a:t>6/26/2020</a:t>
             </a:fld>
             <a:endParaRPr lang="en-US" dirty="0"/>
           </a:p>
@@ -12792,7 +12792,7 @@
         <p:spPr/>
         <p:txBody>
           <a:bodyPr>
-            <a:normAutofit fontScale="70000" lnSpcReduction="20000"/>
+            <a:normAutofit fontScale="55000" lnSpcReduction="20000"/>
           </a:bodyPr>
           <a:lstStyle/>
           <a:p>
@@ -12800,6 +12800,10 @@
               <a:buNone/>
             </a:pPr>
             <a:r>
+              <a:rPr lang="pl-PL" dirty="0"/>
+              <a:t>1. </a:t>
+            </a:r>
+            <a:r>
               <a:rPr lang="en-GB" dirty="0"/>
               <a:t>To save time you can run pipeline without migrating data to </a:t>
             </a:r>
@@ -12829,7 +12833,7 @@
           <a:p>
             <a:r>
               <a:rPr lang="en-GB" dirty="0"/>
-              <a:t>nx_backup_3class (240 graphs for class 500/6000/15000)</a:t>
+              <a:t>nx_backup_3class (240 graphs for class 500/6000/15000</a:t>
             </a:r>
             <a:endParaRPr lang="pl-PL" dirty="0"/>
           </a:p>
@@ -12847,6 +12851,49 @@
             <a:pPr marL="0" indent="0">
               <a:buNone/>
             </a:pPr>
+            <a:r>
+              <a:rPr lang="pl-PL" dirty="0">
+                <a:solidFill>
+                  <a:srgbClr val="FF0000"/>
+                </a:solidFill>
+              </a:rPr>
+              <a:t>2. </a:t>
+            </a:r>
+            <a:r>
+              <a:rPr lang="en-GB" dirty="0">
+                <a:solidFill>
+                  <a:srgbClr val="FF0000"/>
+                </a:solidFill>
+              </a:rPr>
+              <a:t>Copy selected folder content to network</a:t>
+            </a:r>
+            <a:r>
+              <a:rPr lang="pl-PL" dirty="0">
+                <a:solidFill>
+                  <a:srgbClr val="FF0000"/>
+                </a:solidFill>
+              </a:rPr>
+              <a:t>x folder!</a:t>
+            </a:r>
+          </a:p>
+          <a:p>
+            <a:pPr marL="0" indent="0">
+              <a:buNone/>
+            </a:pPr>
+            <a:endParaRPr lang="pl-PL" dirty="0">
+              <a:solidFill>
+                <a:srgbClr val="FF0000"/>
+              </a:solidFill>
+            </a:endParaRPr>
+          </a:p>
+          <a:p>
+            <a:pPr marL="0" indent="0">
+              <a:buNone/>
+            </a:pPr>
+            <a:r>
+              <a:rPr lang="pl-PL" dirty="0"/>
+              <a:t>3. </a:t>
+            </a:r>
             <a:r>
               <a:rPr lang="pl-PL" dirty="0" err="1"/>
               <a:t>Choose</a:t>

--- a/KGCN presentation.pptx
+++ b/KGCN presentation.pptx
@@ -305,7 +305,7 @@
           <a:p>
             <a:fld id="{DBAE3B3E-782A-9745-8E84-372F7B6771BF}" type="datetimeFigureOut">
               <a:rPr lang="en-US" smtClean="0"/>
-              <a:t>6/26/2020</a:t>
+              <a:t>6/27/2020</a:t>
             </a:fld>
             <a:endParaRPr lang="en-US" dirty="0"/>
           </a:p>
